--- a/Engine test/PPVerilogEngine/main.pptx
+++ b/Engine test/PPVerilogEngine/main.pptx
@@ -198,7 +198,7 @@
           <a:p>
             <a:fld id="{6F963CEF-F0B5-4835-8779-ECFE3EEBAEBB}" type="datetimeFigureOut">
               <a:rPr lang="en-US" smtClean="0"/>
-              <a:t>12/13/2018</a:t>
+              <a:t>12/14/2018</a:t>
             </a:fld>
             <a:endParaRPr lang="en-US"/>
           </a:p>
@@ -695,7 +695,7 @@
           <a:p>
             <a:fld id="{0618B01E-3539-42E0-9F53-483F15259ADE}" type="datetimeFigureOut">
               <a:rPr lang="en-US" smtClean="0"/>
-              <a:t>12/13/2018</a:t>
+              <a:t>12/14/2018</a:t>
             </a:fld>
             <a:endParaRPr lang="en-US"/>
           </a:p>
@@ -865,7 +865,7 @@
           <a:p>
             <a:fld id="{0618B01E-3539-42E0-9F53-483F15259ADE}" type="datetimeFigureOut">
               <a:rPr lang="en-US" smtClean="0"/>
-              <a:t>12/13/2018</a:t>
+              <a:t>12/14/2018</a:t>
             </a:fld>
             <a:endParaRPr lang="en-US"/>
           </a:p>
@@ -1045,7 +1045,7 @@
           <a:p>
             <a:fld id="{0618B01E-3539-42E0-9F53-483F15259ADE}" type="datetimeFigureOut">
               <a:rPr lang="en-US" smtClean="0"/>
-              <a:t>12/13/2018</a:t>
+              <a:t>12/14/2018</a:t>
             </a:fld>
             <a:endParaRPr lang="en-US"/>
           </a:p>
@@ -1215,7 +1215,7 @@
           <a:p>
             <a:fld id="{0618B01E-3539-42E0-9F53-483F15259ADE}" type="datetimeFigureOut">
               <a:rPr lang="en-US" smtClean="0"/>
-              <a:t>12/13/2018</a:t>
+              <a:t>12/14/2018</a:t>
             </a:fld>
             <a:endParaRPr lang="en-US"/>
           </a:p>
@@ -1459,7 +1459,7 @@
           <a:p>
             <a:fld id="{0618B01E-3539-42E0-9F53-483F15259ADE}" type="datetimeFigureOut">
               <a:rPr lang="en-US" smtClean="0"/>
-              <a:t>12/13/2018</a:t>
+              <a:t>12/14/2018</a:t>
             </a:fld>
             <a:endParaRPr lang="en-US"/>
           </a:p>
@@ -1691,7 +1691,7 @@
           <a:p>
             <a:fld id="{0618B01E-3539-42E0-9F53-483F15259ADE}" type="datetimeFigureOut">
               <a:rPr lang="en-US" smtClean="0"/>
-              <a:t>12/13/2018</a:t>
+              <a:t>12/14/2018</a:t>
             </a:fld>
             <a:endParaRPr lang="en-US"/>
           </a:p>
@@ -2058,7 +2058,7 @@
           <a:p>
             <a:fld id="{0618B01E-3539-42E0-9F53-483F15259ADE}" type="datetimeFigureOut">
               <a:rPr lang="en-US" smtClean="0"/>
-              <a:t>12/13/2018</a:t>
+              <a:t>12/14/2018</a:t>
             </a:fld>
             <a:endParaRPr lang="en-US"/>
           </a:p>
@@ -2176,7 +2176,7 @@
           <a:p>
             <a:fld id="{0618B01E-3539-42E0-9F53-483F15259ADE}" type="datetimeFigureOut">
               <a:rPr lang="en-US" smtClean="0"/>
-              <a:t>12/13/2018</a:t>
+              <a:t>12/14/2018</a:t>
             </a:fld>
             <a:endParaRPr lang="en-US"/>
           </a:p>
@@ -2271,7 +2271,7 @@
           <a:p>
             <a:fld id="{0618B01E-3539-42E0-9F53-483F15259ADE}" type="datetimeFigureOut">
               <a:rPr lang="en-US" smtClean="0"/>
-              <a:t>12/13/2018</a:t>
+              <a:t>12/14/2018</a:t>
             </a:fld>
             <a:endParaRPr lang="en-US"/>
           </a:p>
@@ -2548,7 +2548,7 @@
           <a:p>
             <a:fld id="{0618B01E-3539-42E0-9F53-483F15259ADE}" type="datetimeFigureOut">
               <a:rPr lang="en-US" smtClean="0"/>
-              <a:t>12/13/2018</a:t>
+              <a:t>12/14/2018</a:t>
             </a:fld>
             <a:endParaRPr lang="en-US"/>
           </a:p>
@@ -2805,7 +2805,7 @@
           <a:p>
             <a:fld id="{0618B01E-3539-42E0-9F53-483F15259ADE}" type="datetimeFigureOut">
               <a:rPr lang="en-US" smtClean="0"/>
-              <a:t>12/13/2018</a:t>
+              <a:t>12/14/2018</a:t>
             </a:fld>
             <a:endParaRPr lang="en-US"/>
           </a:p>
@@ -3018,7 +3018,7 @@
           <a:p>
             <a:fld id="{0618B01E-3539-42E0-9F53-483F15259ADE}" type="datetimeFigureOut">
               <a:rPr lang="en-US" smtClean="0"/>
-              <a:t>12/13/2018</a:t>
+              <a:t>12/14/2018</a:t>
             </a:fld>
             <a:endParaRPr lang="en-US"/>
           </a:p>
@@ -3657,6 +3657,82 @@
           </a:prstGeom>
         </p:spPr>
       </p:pic>
+      <p:sp>
+        <p:nvSpPr>
+          <p:cNvPr id="10" name="Rectangle 9"/>
+          <p:cNvSpPr/>
+          <p:nvPr/>
+        </p:nvSpPr>
+        <p:spPr>
+          <a:xfrm>
+            <a:off x="-410707" y="349413"/>
+            <a:ext cx="5782492" cy="2629988"/>
+          </a:xfrm>
+          <a:prstGeom prst="rect">
+            <a:avLst/>
+          </a:prstGeom>
+        </p:spPr>
+        <p:style>
+          <a:lnRef idx="2">
+            <a:schemeClr val="accent1">
+              <a:shade val="50000"/>
+            </a:schemeClr>
+          </a:lnRef>
+          <a:fillRef idx="1">
+            <a:schemeClr val="accent1"/>
+          </a:fillRef>
+          <a:effectRef idx="0">
+            <a:schemeClr val="accent1"/>
+          </a:effectRef>
+          <a:fontRef idx="minor">
+            <a:schemeClr val="lt1"/>
+          </a:fontRef>
+        </p:style>
+        <p:txBody>
+          <a:bodyPr rtlCol="0" anchor="ctr"/>
+          <a:lstStyle/>
+          <a:p>
+            <a:pPr algn="ctr"/>
+            <a:r>
+              <a:rPr lang="en-US" dirty="0" smtClean="0"/>
+              <a:t>[BORDER];</a:t>
+            </a:r>
+          </a:p>
+          <a:p>
+            <a:pPr algn="ctr"/>
+            <a:r>
+              <a:rPr lang="en-US" dirty="0" smtClean="0"/>
+              <a:t>[MOVEABLE];</a:t>
+            </a:r>
+          </a:p>
+          <a:p>
+            <a:pPr algn="ctr"/>
+            <a:r>
+              <a:rPr lang="en-US" dirty="0" smtClean="0"/>
+              <a:t>[</a:t>
+            </a:r>
+            <a:r>
+              <a:rPr lang="en-US" dirty="0" err="1" smtClean="0"/>
+              <a:t>WASDMovement</a:t>
+            </a:r>
+            <a:r>
+              <a:rPr lang="en-US" dirty="0" smtClean="0"/>
+              <a:t>];</a:t>
+            </a:r>
+          </a:p>
+          <a:p>
+            <a:pPr algn="ctr"/>
+            <a:r>
+              <a:rPr lang="en-US" dirty="0"/>
+              <a:t>[NAME=test];</a:t>
+            </a:r>
+          </a:p>
+          <a:p>
+            <a:pPr algn="ctr"/>
+            <a:endParaRPr lang="en-US" dirty="0"/>
+          </a:p>
+        </p:txBody>
+      </p:sp>
     </p:spTree>
     <p:extLst>
       <p:ext uri="{BB962C8B-B14F-4D97-AF65-F5344CB8AC3E}">

--- a/Engine test/PPVerilogEngine/main.pptx
+++ b/Engine test/PPVerilogEngine/main.pptx
@@ -3467,8 +3467,8 @@
         </p:nvSpPr>
         <p:spPr>
           <a:xfrm>
-            <a:off x="178677" y="2722116"/>
-            <a:ext cx="1862560" cy="982697"/>
+            <a:off x="178677" y="818606"/>
+            <a:ext cx="6213414" cy="2886207"/>
           </a:xfrm>
           <a:prstGeom prst="rect">
             <a:avLst/>
@@ -3583,8 +3583,8 @@
         </p:blipFill>
         <p:spPr>
           <a:xfrm>
-            <a:off x="3457812" y="3298734"/>
-            <a:ext cx="2236406" cy="2236406"/>
+            <a:off x="4041286" y="4152174"/>
+            <a:ext cx="736604" cy="736604"/>
           </a:xfrm>
           <a:prstGeom prst="rect">
             <a:avLst/>
@@ -3657,82 +3657,6 @@
           </a:prstGeom>
         </p:spPr>
       </p:pic>
-      <p:sp>
-        <p:nvSpPr>
-          <p:cNvPr id="10" name="Rectangle 9"/>
-          <p:cNvSpPr/>
-          <p:nvPr/>
-        </p:nvSpPr>
-        <p:spPr>
-          <a:xfrm>
-            <a:off x="-410707" y="349413"/>
-            <a:ext cx="5782492" cy="2629988"/>
-          </a:xfrm>
-          <a:prstGeom prst="rect">
-            <a:avLst/>
-          </a:prstGeom>
-        </p:spPr>
-        <p:style>
-          <a:lnRef idx="2">
-            <a:schemeClr val="accent1">
-              <a:shade val="50000"/>
-            </a:schemeClr>
-          </a:lnRef>
-          <a:fillRef idx="1">
-            <a:schemeClr val="accent1"/>
-          </a:fillRef>
-          <a:effectRef idx="0">
-            <a:schemeClr val="accent1"/>
-          </a:effectRef>
-          <a:fontRef idx="minor">
-            <a:schemeClr val="lt1"/>
-          </a:fontRef>
-        </p:style>
-        <p:txBody>
-          <a:bodyPr rtlCol="0" anchor="ctr"/>
-          <a:lstStyle/>
-          <a:p>
-            <a:pPr algn="ctr"/>
-            <a:r>
-              <a:rPr lang="en-US" dirty="0" smtClean="0"/>
-              <a:t>[BORDER];</a:t>
-            </a:r>
-          </a:p>
-          <a:p>
-            <a:pPr algn="ctr"/>
-            <a:r>
-              <a:rPr lang="en-US" dirty="0" smtClean="0"/>
-              <a:t>[MOVEABLE];</a:t>
-            </a:r>
-          </a:p>
-          <a:p>
-            <a:pPr algn="ctr"/>
-            <a:r>
-              <a:rPr lang="en-US" dirty="0" smtClean="0"/>
-              <a:t>[</a:t>
-            </a:r>
-            <a:r>
-              <a:rPr lang="en-US" dirty="0" err="1" smtClean="0"/>
-              <a:t>WASDMovement</a:t>
-            </a:r>
-            <a:r>
-              <a:rPr lang="en-US" dirty="0" smtClean="0"/>
-              <a:t>];</a:t>
-            </a:r>
-          </a:p>
-          <a:p>
-            <a:pPr algn="ctr"/>
-            <a:r>
-              <a:rPr lang="en-US" dirty="0"/>
-              <a:t>[NAME=test];</a:t>
-            </a:r>
-          </a:p>
-          <a:p>
-            <a:pPr algn="ctr"/>
-            <a:endParaRPr lang="en-US" dirty="0"/>
-          </a:p>
-        </p:txBody>
-      </p:sp>
     </p:spTree>
     <p:extLst>
       <p:ext uri="{BB962C8B-B14F-4D97-AF65-F5344CB8AC3E}">
